--- a/Session-01-20240918/Meetup_20240918_Excel Fundamentals.pptx
+++ b/Session-01-20240918/Meetup_20240918_Excel Fundamentals.pptx
@@ -17624,7 +17624,7 @@
           <a:p>
             <a:fld id="{7A275D7E-78A0-4171-BA3E-178B149C5D0B}" type="datetimeFigureOut">
               <a:rPr lang="en-US" smtClean="0"/>
-              <a:t>9/16/2024</a:t>
+              <a:t>9/18/2024</a:t>
             </a:fld>
             <a:endParaRPr lang="en-US"/>
           </a:p>
@@ -19736,7 +19736,7 @@
           <a:p>
             <a:fld id="{6A67CC24-7720-4A23-846B-B46737E67AD4}" type="datetimeFigureOut">
               <a:rPr lang="en-US" smtClean="0"/>
-              <a:t>9/16/2024</a:t>
+              <a:t>9/18/2024</a:t>
             </a:fld>
             <a:endParaRPr lang="en-US"/>
           </a:p>
@@ -19934,7 +19934,7 @@
           <a:p>
             <a:fld id="{6A67CC24-7720-4A23-846B-B46737E67AD4}" type="datetimeFigureOut">
               <a:rPr lang="en-US" smtClean="0"/>
-              <a:t>9/16/2024</a:t>
+              <a:t>9/18/2024</a:t>
             </a:fld>
             <a:endParaRPr lang="en-US"/>
           </a:p>
@@ -20142,7 +20142,7 @@
           <a:p>
             <a:fld id="{6A67CC24-7720-4A23-846B-B46737E67AD4}" type="datetimeFigureOut">
               <a:rPr lang="en-US" smtClean="0"/>
-              <a:t>9/16/2024</a:t>
+              <a:t>9/18/2024</a:t>
             </a:fld>
             <a:endParaRPr lang="en-US"/>
           </a:p>
@@ -20340,7 +20340,7 @@
           <a:p>
             <a:fld id="{6A67CC24-7720-4A23-846B-B46737E67AD4}" type="datetimeFigureOut">
               <a:rPr lang="en-US" smtClean="0"/>
-              <a:t>9/16/2024</a:t>
+              <a:t>9/18/2024</a:t>
             </a:fld>
             <a:endParaRPr lang="en-US"/>
           </a:p>
@@ -20615,7 +20615,7 @@
           <a:p>
             <a:fld id="{6A67CC24-7720-4A23-846B-B46737E67AD4}" type="datetimeFigureOut">
               <a:rPr lang="en-US" smtClean="0"/>
-              <a:t>9/16/2024</a:t>
+              <a:t>9/18/2024</a:t>
             </a:fld>
             <a:endParaRPr lang="en-US"/>
           </a:p>
@@ -20880,7 +20880,7 @@
           <a:p>
             <a:fld id="{6A67CC24-7720-4A23-846B-B46737E67AD4}" type="datetimeFigureOut">
               <a:rPr lang="en-US" smtClean="0"/>
-              <a:t>9/16/2024</a:t>
+              <a:t>9/18/2024</a:t>
             </a:fld>
             <a:endParaRPr lang="en-US"/>
           </a:p>
@@ -21292,7 +21292,7 @@
           <a:p>
             <a:fld id="{6A67CC24-7720-4A23-846B-B46737E67AD4}" type="datetimeFigureOut">
               <a:rPr lang="en-US" smtClean="0"/>
-              <a:t>9/16/2024</a:t>
+              <a:t>9/18/2024</a:t>
             </a:fld>
             <a:endParaRPr lang="en-US"/>
           </a:p>
@@ -21433,7 +21433,7 @@
           <a:p>
             <a:fld id="{6A67CC24-7720-4A23-846B-B46737E67AD4}" type="datetimeFigureOut">
               <a:rPr lang="en-US" smtClean="0"/>
-              <a:t>9/16/2024</a:t>
+              <a:t>9/18/2024</a:t>
             </a:fld>
             <a:endParaRPr lang="en-US"/>
           </a:p>
@@ -21546,7 +21546,7 @@
           <a:p>
             <a:fld id="{6A67CC24-7720-4A23-846B-B46737E67AD4}" type="datetimeFigureOut">
               <a:rPr lang="en-US" smtClean="0"/>
-              <a:t>9/16/2024</a:t>
+              <a:t>9/18/2024</a:t>
             </a:fld>
             <a:endParaRPr lang="en-US"/>
           </a:p>
@@ -21857,7 +21857,7 @@
           <a:p>
             <a:fld id="{6A67CC24-7720-4A23-846B-B46737E67AD4}" type="datetimeFigureOut">
               <a:rPr lang="en-US" smtClean="0"/>
-              <a:t>9/16/2024</a:t>
+              <a:t>9/18/2024</a:t>
             </a:fld>
             <a:endParaRPr lang="en-US"/>
           </a:p>
@@ -22145,7 +22145,7 @@
           <a:p>
             <a:fld id="{6A67CC24-7720-4A23-846B-B46737E67AD4}" type="datetimeFigureOut">
               <a:rPr lang="en-US" smtClean="0"/>
-              <a:t>9/16/2024</a:t>
+              <a:t>9/18/2024</a:t>
             </a:fld>
             <a:endParaRPr lang="en-US"/>
           </a:p>
@@ -22386,7 +22386,7 @@
           <a:p>
             <a:fld id="{6A67CC24-7720-4A23-846B-B46737E67AD4}" type="datetimeFigureOut">
               <a:rPr lang="en-US" smtClean="0"/>
-              <a:t>9/16/2024</a:t>
+              <a:t>9/18/2024</a:t>
             </a:fld>
             <a:endParaRPr lang="en-US"/>
           </a:p>
@@ -24746,6 +24746,42 @@
           </a:p>
         </p:txBody>
       </p:sp>
+      <p:pic>
+        <p:nvPicPr>
+          <p:cNvPr id="5" name="Picture 4" descr="A qr code with a few black squares&#10;&#10;Description automatically generated">
+            <a:extLst>
+              <a:ext uri="{FF2B5EF4-FFF2-40B4-BE49-F238E27FC236}">
+                <a16:creationId xmlns:a16="http://schemas.microsoft.com/office/drawing/2014/main" id="{D4B5B713-7598-F718-C913-D37F77876122}"/>
+              </a:ext>
+            </a:extLst>
+          </p:cNvPr>
+          <p:cNvPicPr>
+            <a:picLocks noChangeAspect="1"/>
+          </p:cNvPicPr>
+          <p:nvPr/>
+        </p:nvPicPr>
+        <p:blipFill>
+          <a:blip r:embed="rId3">
+            <a:extLst>
+              <a:ext uri="{28A0092B-C50C-407E-A947-70E740481C1C}">
+                <a14:useLocalDpi xmlns:a14="http://schemas.microsoft.com/office/drawing/2010/main" val="0"/>
+              </a:ext>
+            </a:extLst>
+          </a:blip>
+          <a:stretch>
+            <a:fillRect/>
+          </a:stretch>
+        </p:blipFill>
+        <p:spPr>
+          <a:xfrm>
+            <a:off x="7525949" y="2177947"/>
+            <a:ext cx="3809524" cy="3809524"/>
+          </a:xfrm>
+          <a:prstGeom prst="rect">
+            <a:avLst/>
+          </a:prstGeom>
+        </p:spPr>
+      </p:pic>
     </p:spTree>
     <p:extLst>
       <p:ext uri="{BB962C8B-B14F-4D97-AF65-F5344CB8AC3E}">
